--- a/study design figures.pptx
+++ b/study design figures.pptx
@@ -192,7 +192,7 @@
           <a:p>
             <a:fld id="{790B4711-203E-B348-9C38-80AC4C217610}" type="datetimeFigureOut">
               <a:rPr lang="en-US" smtClean="0"/>
-              <a:t>2/15/17</a:t>
+              <a:t>3/27/17</a:t>
             </a:fld>
             <a:endParaRPr lang="en-US"/>
           </a:p>
@@ -765,7 +765,7 @@
           <a:p>
             <a:fld id="{6BB709B7-BAE4-F34A-8CBD-26E363DDABDB}" type="datetimeFigureOut">
               <a:rPr lang="en-US" smtClean="0"/>
-              <a:t>2/15/17</a:t>
+              <a:t>3/27/17</a:t>
             </a:fld>
             <a:endParaRPr lang="en-US"/>
           </a:p>
@@ -935,7 +935,7 @@
           <a:p>
             <a:fld id="{6BB709B7-BAE4-F34A-8CBD-26E363DDABDB}" type="datetimeFigureOut">
               <a:rPr lang="en-US" smtClean="0"/>
-              <a:t>2/15/17</a:t>
+              <a:t>3/27/17</a:t>
             </a:fld>
             <a:endParaRPr lang="en-US"/>
           </a:p>
@@ -1115,7 +1115,7 @@
           <a:p>
             <a:fld id="{6BB709B7-BAE4-F34A-8CBD-26E363DDABDB}" type="datetimeFigureOut">
               <a:rPr lang="en-US" smtClean="0"/>
-              <a:t>2/15/17</a:t>
+              <a:t>3/27/17</a:t>
             </a:fld>
             <a:endParaRPr lang="en-US"/>
           </a:p>
@@ -1285,7 +1285,7 @@
           <a:p>
             <a:fld id="{6BB709B7-BAE4-F34A-8CBD-26E363DDABDB}" type="datetimeFigureOut">
               <a:rPr lang="en-US" smtClean="0"/>
-              <a:t>2/15/17</a:t>
+              <a:t>3/27/17</a:t>
             </a:fld>
             <a:endParaRPr lang="en-US"/>
           </a:p>
@@ -1531,7 +1531,7 @@
           <a:p>
             <a:fld id="{6BB709B7-BAE4-F34A-8CBD-26E363DDABDB}" type="datetimeFigureOut">
               <a:rPr lang="en-US" smtClean="0"/>
-              <a:t>2/15/17</a:t>
+              <a:t>3/27/17</a:t>
             </a:fld>
             <a:endParaRPr lang="en-US"/>
           </a:p>
@@ -1819,7 +1819,7 @@
           <a:p>
             <a:fld id="{6BB709B7-BAE4-F34A-8CBD-26E363DDABDB}" type="datetimeFigureOut">
               <a:rPr lang="en-US" smtClean="0"/>
-              <a:t>2/15/17</a:t>
+              <a:t>3/27/17</a:t>
             </a:fld>
             <a:endParaRPr lang="en-US"/>
           </a:p>
@@ -2241,7 +2241,7 @@
           <a:p>
             <a:fld id="{6BB709B7-BAE4-F34A-8CBD-26E363DDABDB}" type="datetimeFigureOut">
               <a:rPr lang="en-US" smtClean="0"/>
-              <a:t>2/15/17</a:t>
+              <a:t>3/27/17</a:t>
             </a:fld>
             <a:endParaRPr lang="en-US"/>
           </a:p>
@@ -2359,7 +2359,7 @@
           <a:p>
             <a:fld id="{6BB709B7-BAE4-F34A-8CBD-26E363DDABDB}" type="datetimeFigureOut">
               <a:rPr lang="en-US" smtClean="0"/>
-              <a:t>2/15/17</a:t>
+              <a:t>3/27/17</a:t>
             </a:fld>
             <a:endParaRPr lang="en-US"/>
           </a:p>
@@ -2454,7 +2454,7 @@
           <a:p>
             <a:fld id="{6BB709B7-BAE4-F34A-8CBD-26E363DDABDB}" type="datetimeFigureOut">
               <a:rPr lang="en-US" smtClean="0"/>
-              <a:t>2/15/17</a:t>
+              <a:t>3/27/17</a:t>
             </a:fld>
             <a:endParaRPr lang="en-US"/>
           </a:p>
@@ -2731,7 +2731,7 @@
           <a:p>
             <a:fld id="{6BB709B7-BAE4-F34A-8CBD-26E363DDABDB}" type="datetimeFigureOut">
               <a:rPr lang="en-US" smtClean="0"/>
-              <a:t>2/15/17</a:t>
+              <a:t>3/27/17</a:t>
             </a:fld>
             <a:endParaRPr lang="en-US"/>
           </a:p>
@@ -2984,7 +2984,7 @@
           <a:p>
             <a:fld id="{6BB709B7-BAE4-F34A-8CBD-26E363DDABDB}" type="datetimeFigureOut">
               <a:rPr lang="en-US" smtClean="0"/>
-              <a:t>2/15/17</a:t>
+              <a:t>3/27/17</a:t>
             </a:fld>
             <a:endParaRPr lang="en-US"/>
           </a:p>
@@ -3197,7 +3197,7 @@
           <a:p>
             <a:fld id="{6BB709B7-BAE4-F34A-8CBD-26E363DDABDB}" type="datetimeFigureOut">
               <a:rPr lang="en-US" smtClean="0"/>
-              <a:t>2/15/17</a:t>
+              <a:t>3/27/17</a:t>
             </a:fld>
             <a:endParaRPr lang="en-US"/>
           </a:p>
@@ -3683,7 +3683,7 @@
           <p:spPr>
             <a:xfrm>
               <a:off x="6284947" y="4357451"/>
-              <a:ext cx="2424925" cy="307777"/>
+              <a:ext cx="2464900" cy="307777"/>
             </a:xfrm>
             <a:prstGeom prst="rect">
               <a:avLst/>
@@ -3697,27 +3697,42 @@
             <a:lstStyle/>
             <a:p>
               <a:r>
-                <a:rPr lang="en-US" sz="1400" dirty="0" smtClean="0">
+                <a:rPr lang="en-US" sz="1400" b="1" dirty="0">
+                  <a:ln>
+                    <a:solidFill>
+                      <a:srgbClr val="000000"/>
+                    </a:solidFill>
+                  </a:ln>
+                  <a:solidFill>
+                    <a:srgbClr val="FF0000"/>
+                  </a:solidFill>
                   <a:latin typeface="Arial"/>
                   <a:cs typeface="Arial"/>
                 </a:rPr>
                 <a:t>X</a:t>
               </a:r>
               <a:r>
-                <a:rPr lang="en-US" sz="1400" dirty="0">
+                <a:rPr lang="en-US" sz="1400" b="1" dirty="0" smtClean="0">
                   <a:latin typeface="Arial"/>
                   <a:cs typeface="Arial"/>
                 </a:rPr>
-                <a:t> =</a:t>
+                <a:t> </a:t>
               </a:r>
               <a:r>
-                <a:rPr lang="en-US" sz="1400" dirty="0" smtClean="0">
+                <a:rPr lang="en-US" sz="1400" b="1" dirty="0">
                   <a:latin typeface="Arial"/>
                   <a:cs typeface="Arial"/>
                 </a:rPr>
-                <a:t> Fecal samples collected</a:t>
+                <a:t>=</a:t>
               </a:r>
-              <a:endParaRPr lang="en-US" sz="1400" dirty="0">
+              <a:r>
+                <a:rPr lang="en-US" sz="1400" b="1" dirty="0" smtClean="0">
+                  <a:latin typeface="Arial"/>
+                  <a:cs typeface="Arial"/>
+                </a:rPr>
+                <a:t> Fecal sample collected</a:t>
+              </a:r>
+              <a:endParaRPr lang="en-US" sz="1400" b="1" dirty="0">
                 <a:latin typeface="Arial"/>
                 <a:cs typeface="Arial"/>
               </a:endParaRPr>
@@ -3747,121 +3762,29 @@
             <a:lstStyle/>
             <a:p>
               <a:r>
-                <a:rPr lang="en-US" sz="1400" dirty="0" smtClean="0">
+                <a:rPr lang="en-US" sz="1400" b="1" dirty="0" smtClean="0">
+                  <a:ln>
+                    <a:solidFill>
+                      <a:srgbClr val="000000"/>
+                    </a:solidFill>
+                  </a:ln>
+                  <a:solidFill>
+                    <a:srgbClr val="FF0000"/>
+                  </a:solidFill>
                   <a:latin typeface="Arial"/>
                   <a:cs typeface="Arial"/>
                 </a:rPr>
                 <a:t>X</a:t>
               </a:r>
-              <a:endParaRPr lang="en-US" sz="1400" dirty="0">
-                <a:latin typeface="Arial"/>
-                <a:cs typeface="Arial"/>
-              </a:endParaRPr>
-            </a:p>
-          </p:txBody>
-        </p:sp>
-        <p:sp>
-          <p:nvSpPr>
-            <p:cNvPr id="7" name="TextBox 6"/>
-            <p:cNvSpPr txBox="1"/>
-            <p:nvPr/>
-          </p:nvSpPr>
-          <p:spPr>
-            <a:xfrm>
-              <a:off x="2044070" y="4762574"/>
-              <a:ext cx="304415" cy="307777"/>
-            </a:xfrm>
-            <a:prstGeom prst="rect">
-              <a:avLst/>
-            </a:prstGeom>
-            <a:noFill/>
-          </p:spPr>
-          <p:txBody>
-            <a:bodyPr wrap="none" rtlCol="0">
-              <a:spAutoFit/>
-            </a:bodyPr>
-            <a:lstStyle/>
-            <a:p>
-              <a:r>
-                <a:rPr lang="en-US" sz="1400" dirty="0" smtClean="0">
-                  <a:latin typeface="Arial"/>
-                  <a:cs typeface="Arial"/>
-                </a:rPr>
-                <a:t>X</a:t>
-              </a:r>
-              <a:endParaRPr lang="en-US" sz="1400" dirty="0">
-                <a:latin typeface="Arial"/>
-                <a:cs typeface="Arial"/>
-              </a:endParaRPr>
-            </a:p>
-          </p:txBody>
-        </p:sp>
-        <p:sp>
-          <p:nvSpPr>
-            <p:cNvPr id="8" name="TextBox 7"/>
-            <p:cNvSpPr txBox="1"/>
-            <p:nvPr/>
-          </p:nvSpPr>
-          <p:spPr>
-            <a:xfrm>
-              <a:off x="1589367" y="4762574"/>
-              <a:ext cx="304415" cy="307777"/>
-            </a:xfrm>
-            <a:prstGeom prst="rect">
-              <a:avLst/>
-            </a:prstGeom>
-            <a:noFill/>
-          </p:spPr>
-          <p:txBody>
-            <a:bodyPr wrap="none" rtlCol="0">
-              <a:spAutoFit/>
-            </a:bodyPr>
-            <a:lstStyle/>
-            <a:p>
-              <a:r>
-                <a:rPr lang="en-US" sz="1400" dirty="0" smtClean="0">
-                  <a:latin typeface="Arial"/>
-                  <a:cs typeface="Arial"/>
-                </a:rPr>
-                <a:t>X</a:t>
-              </a:r>
-              <a:endParaRPr lang="en-US" sz="1400" dirty="0">
-                <a:latin typeface="Arial"/>
-                <a:cs typeface="Arial"/>
-              </a:endParaRPr>
-            </a:p>
-          </p:txBody>
-        </p:sp>
-        <p:sp>
-          <p:nvSpPr>
-            <p:cNvPr id="9" name="TextBox 8"/>
-            <p:cNvSpPr txBox="1"/>
-            <p:nvPr/>
-          </p:nvSpPr>
-          <p:spPr>
-            <a:xfrm>
-              <a:off x="5521380" y="4752078"/>
-              <a:ext cx="304415" cy="307777"/>
-            </a:xfrm>
-            <a:prstGeom prst="rect">
-              <a:avLst/>
-            </a:prstGeom>
-            <a:noFill/>
-          </p:spPr>
-          <p:txBody>
-            <a:bodyPr wrap="none" rtlCol="0">
-              <a:spAutoFit/>
-            </a:bodyPr>
-            <a:lstStyle/>
-            <a:p>
-              <a:r>
-                <a:rPr lang="en-US" sz="1400" dirty="0" smtClean="0">
-                  <a:latin typeface="Arial"/>
-                  <a:cs typeface="Arial"/>
-                </a:rPr>
-                <a:t>X</a:t>
-              </a:r>
-              <a:endParaRPr lang="en-US" sz="1400" dirty="0">
+              <a:endParaRPr lang="en-US" sz="1400" b="1" dirty="0">
+                <a:ln>
+                  <a:solidFill>
+                    <a:srgbClr val="000000"/>
+                  </a:solidFill>
+                </a:ln>
+                <a:solidFill>
+                  <a:srgbClr val="FF0000"/>
+                </a:solidFill>
                 <a:latin typeface="Arial"/>
                 <a:cs typeface="Arial"/>
               </a:endParaRPr>
@@ -4012,6 +3935,194 @@
           </p:txBody>
         </p:sp>
       </p:grpSp>
+      <p:sp>
+        <p:nvSpPr>
+          <p:cNvPr id="15" name="TextBox 14"/>
+          <p:cNvSpPr txBox="1"/>
+          <p:nvPr/>
+        </p:nvSpPr>
+        <p:spPr>
+          <a:xfrm>
+            <a:off x="1585186" y="4680025"/>
+            <a:ext cx="304415" cy="307777"/>
+          </a:xfrm>
+          <a:prstGeom prst="rect">
+            <a:avLst/>
+          </a:prstGeom>
+          <a:noFill/>
+        </p:spPr>
+        <p:txBody>
+          <a:bodyPr wrap="none" rtlCol="0">
+            <a:spAutoFit/>
+          </a:bodyPr>
+          <a:lstStyle/>
+          <a:p>
+            <a:r>
+              <a:rPr lang="en-US" sz="1400" b="1" dirty="0" smtClean="0">
+                <a:ln>
+                  <a:solidFill>
+                    <a:srgbClr val="000000"/>
+                  </a:solidFill>
+                </a:ln>
+                <a:solidFill>
+                  <a:srgbClr val="FF0000"/>
+                </a:solidFill>
+                <a:latin typeface="Arial"/>
+                <a:cs typeface="Arial"/>
+              </a:rPr>
+              <a:t>X</a:t>
+            </a:r>
+            <a:endParaRPr lang="en-US" sz="1400" b="1" dirty="0">
+              <a:ln>
+                <a:solidFill>
+                  <a:srgbClr val="000000"/>
+                </a:solidFill>
+              </a:ln>
+              <a:solidFill>
+                <a:srgbClr val="FF0000"/>
+              </a:solidFill>
+              <a:latin typeface="Arial"/>
+              <a:cs typeface="Arial"/>
+            </a:endParaRPr>
+          </a:p>
+        </p:txBody>
+      </p:sp>
+      <p:sp>
+        <p:nvSpPr>
+          <p:cNvPr id="16" name="TextBox 15"/>
+          <p:cNvSpPr txBox="1"/>
+          <p:nvPr/>
+        </p:nvSpPr>
+        <p:spPr>
+          <a:xfrm>
+            <a:off x="2042001" y="4684710"/>
+            <a:ext cx="304415" cy="307777"/>
+          </a:xfrm>
+          <a:prstGeom prst="rect">
+            <a:avLst/>
+          </a:prstGeom>
+          <a:noFill/>
+        </p:spPr>
+        <p:txBody>
+          <a:bodyPr wrap="none" rtlCol="0">
+            <a:spAutoFit/>
+          </a:bodyPr>
+          <a:lstStyle/>
+          <a:p>
+            <a:r>
+              <a:rPr lang="en-US" sz="1400" b="1" dirty="0" smtClean="0">
+                <a:ln>
+                  <a:solidFill>
+                    <a:srgbClr val="000000"/>
+                  </a:solidFill>
+                </a:ln>
+                <a:solidFill>
+                  <a:srgbClr val="FF0000"/>
+                </a:solidFill>
+                <a:latin typeface="Arial"/>
+                <a:cs typeface="Arial"/>
+              </a:rPr>
+              <a:t>X</a:t>
+            </a:r>
+            <a:endParaRPr lang="en-US" sz="1400" b="1" dirty="0">
+              <a:ln>
+                <a:solidFill>
+                  <a:srgbClr val="000000"/>
+                </a:solidFill>
+              </a:ln>
+              <a:solidFill>
+                <a:srgbClr val="FF0000"/>
+              </a:solidFill>
+              <a:latin typeface="Arial"/>
+              <a:cs typeface="Arial"/>
+            </a:endParaRPr>
+          </a:p>
+        </p:txBody>
+      </p:sp>
+      <p:sp>
+        <p:nvSpPr>
+          <p:cNvPr id="17" name="TextBox 16"/>
+          <p:cNvSpPr txBox="1"/>
+          <p:nvPr/>
+        </p:nvSpPr>
+        <p:spPr>
+          <a:xfrm>
+            <a:off x="5521300" y="4678536"/>
+            <a:ext cx="304415" cy="307777"/>
+          </a:xfrm>
+          <a:prstGeom prst="rect">
+            <a:avLst/>
+          </a:prstGeom>
+          <a:noFill/>
+        </p:spPr>
+        <p:txBody>
+          <a:bodyPr wrap="none" rtlCol="0">
+            <a:spAutoFit/>
+          </a:bodyPr>
+          <a:lstStyle/>
+          <a:p>
+            <a:r>
+              <a:rPr lang="en-US" sz="1400" b="1" dirty="0" smtClean="0">
+                <a:ln>
+                  <a:solidFill>
+                    <a:srgbClr val="000000"/>
+                  </a:solidFill>
+                </a:ln>
+                <a:solidFill>
+                  <a:srgbClr val="FF0000"/>
+                </a:solidFill>
+                <a:latin typeface="Arial"/>
+                <a:cs typeface="Arial"/>
+              </a:rPr>
+              <a:t>X</a:t>
+            </a:r>
+            <a:endParaRPr lang="en-US" sz="1400" b="1" dirty="0">
+              <a:ln>
+                <a:solidFill>
+                  <a:srgbClr val="000000"/>
+                </a:solidFill>
+              </a:ln>
+              <a:solidFill>
+                <a:srgbClr val="FF0000"/>
+              </a:solidFill>
+              <a:latin typeface="Arial"/>
+              <a:cs typeface="Arial"/>
+            </a:endParaRPr>
+          </a:p>
+        </p:txBody>
+      </p:sp>
+      <p:sp>
+        <p:nvSpPr>
+          <p:cNvPr id="7" name="TextBox 6"/>
+          <p:cNvSpPr txBox="1"/>
+          <p:nvPr/>
+        </p:nvSpPr>
+        <p:spPr>
+          <a:xfrm>
+            <a:off x="8363979" y="5802818"/>
+            <a:ext cx="691960" cy="369332"/>
+          </a:xfrm>
+          <a:prstGeom prst="rect">
+            <a:avLst/>
+          </a:prstGeom>
+          <a:solidFill>
+            <a:schemeClr val="bg1"/>
+          </a:solidFill>
+        </p:spPr>
+        <p:txBody>
+          <a:bodyPr wrap="square" rtlCol="0">
+            <a:spAutoFit/>
+          </a:bodyPr>
+          <a:lstStyle/>
+          <a:p>
+            <a:r>
+              <a:rPr lang="en-US" dirty="0" smtClean="0"/>
+              <a:t>     </a:t>
+            </a:r>
+            <a:endParaRPr lang="en-US" dirty="0"/>
+          </a:p>
+        </p:txBody>
+      </p:sp>
     </p:spTree>
     <p:extLst>
       <p:ext uri="{BB962C8B-B14F-4D97-AF65-F5344CB8AC3E}">
